--- a/SDD 관련 자료/통합 회의 결과물/통합 양식/구조도표예시.pptx
+++ b/SDD 관련 자료/통합 회의 결과물/통합 양식/구조도표예시.pptx
@@ -3832,6 +3832,144 @@
           </a:fontRef>
         </p:style>
       </p:cxnSp>
+      <p:grpSp>
+        <p:nvGrpSpPr>
+          <p:cNvPr id="26" name="그룹 25"/>
+          <p:cNvGrpSpPr/>
+          <p:nvPr/>
+        </p:nvGrpSpPr>
+        <p:grpSpPr>
+          <a:xfrm>
+            <a:off x="8363206" y="1892450"/>
+            <a:ext cx="1561933" cy="676405"/>
+            <a:chOff x="8118153" y="2442575"/>
+            <a:chExt cx="1561933" cy="676405"/>
+          </a:xfrm>
+        </p:grpSpPr>
+        <p:cxnSp>
+          <p:nvCxnSpPr>
+            <p:cNvPr id="3" name="직선 연결선 2"/>
+            <p:cNvCxnSpPr/>
+            <p:nvPr/>
+          </p:nvCxnSpPr>
+          <p:spPr>
+            <a:xfrm>
+              <a:off x="8118153" y="2442575"/>
+              <a:ext cx="1560286" cy="0"/>
+            </a:xfrm>
+            <a:prstGeom prst="line">
+              <a:avLst/>
+            </a:prstGeom>
+            <a:ln w="38100">
+              <a:solidFill>
+                <a:srgbClr val="41719C"/>
+              </a:solidFill>
+            </a:ln>
+          </p:spPr>
+          <p:style>
+            <a:lnRef idx="1">
+              <a:schemeClr val="accent1"/>
+            </a:lnRef>
+            <a:fillRef idx="0">
+              <a:schemeClr val="accent1"/>
+            </a:fillRef>
+            <a:effectRef idx="0">
+              <a:schemeClr val="accent1"/>
+            </a:effectRef>
+            <a:fontRef idx="minor">
+              <a:schemeClr val="tx1"/>
+            </a:fontRef>
+          </p:style>
+        </p:cxnSp>
+        <p:cxnSp>
+          <p:nvCxnSpPr>
+            <p:cNvPr id="29" name="직선 연결선 28"/>
+            <p:cNvCxnSpPr/>
+            <p:nvPr/>
+          </p:nvCxnSpPr>
+          <p:spPr>
+            <a:xfrm>
+              <a:off x="8119800" y="3118980"/>
+              <a:ext cx="1560286" cy="0"/>
+            </a:xfrm>
+            <a:prstGeom prst="line">
+              <a:avLst/>
+            </a:prstGeom>
+            <a:ln w="38100">
+              <a:solidFill>
+                <a:srgbClr val="41719C"/>
+              </a:solidFill>
+            </a:ln>
+          </p:spPr>
+          <p:style>
+            <a:lnRef idx="1">
+              <a:schemeClr val="accent1"/>
+            </a:lnRef>
+            <a:fillRef idx="0">
+              <a:schemeClr val="accent1"/>
+            </a:fillRef>
+            <a:effectRef idx="0">
+              <a:schemeClr val="accent1"/>
+            </a:effectRef>
+            <a:fontRef idx="minor">
+              <a:schemeClr val="tx1"/>
+            </a:fontRef>
+          </p:style>
+        </p:cxnSp>
+        <p:sp>
+          <p:nvSpPr>
+            <p:cNvPr id="25" name="직사각형 24"/>
+            <p:cNvSpPr/>
+            <p:nvPr/>
+          </p:nvSpPr>
+          <p:spPr>
+            <a:xfrm>
+              <a:off x="8217074" y="2530257"/>
+              <a:ext cx="1377863" cy="502203"/>
+            </a:xfrm>
+            <a:prstGeom prst="rect">
+              <a:avLst/>
+            </a:prstGeom>
+            <a:solidFill>
+              <a:schemeClr val="bg1"/>
+            </a:solidFill>
+            <a:ln>
+              <a:noFill/>
+            </a:ln>
+          </p:spPr>
+          <p:style>
+            <a:lnRef idx="2">
+              <a:schemeClr val="accent1">
+                <a:shade val="50000"/>
+              </a:schemeClr>
+            </a:lnRef>
+            <a:fillRef idx="1">
+              <a:schemeClr val="accent1"/>
+            </a:fillRef>
+            <a:effectRef idx="0">
+              <a:schemeClr val="accent1"/>
+            </a:effectRef>
+            <a:fontRef idx="minor">
+              <a:schemeClr val="lt1"/>
+            </a:fontRef>
+          </p:style>
+          <p:txBody>
+            <a:bodyPr rtlCol="0" anchor="ctr"/>
+            <a:lstStyle/>
+            <a:p>
+              <a:pPr algn="ctr"/>
+              <a:r>
+                <a:rPr lang="ko-KR" altLang="en-US" sz="1100" dirty="0">
+                  <a:solidFill>
+                    <a:schemeClr val="tx1"/>
+                  </a:solidFill>
+                </a:rPr>
+                <a:t>저장소</a:t>
+              </a:r>
+            </a:p>
+          </p:txBody>
+        </p:sp>
+      </p:grpSp>
     </p:spTree>
     <p:extLst>
       <p:ext uri="{BB962C8B-B14F-4D97-AF65-F5344CB8AC3E}">
